--- a/计算方法A/课件/第五章/第五章习题课.pptx
+++ b/计算方法A/课件/第五章/第五章习题课.pptx
@@ -208,7 +208,7 @@
           <a:p>
             <a:fld id="{83566472-439A-40E8-9779-E023515734D3}" type="datetimeFigureOut">
               <a:rPr lang="zh-CN" altLang="en-US" smtClean="0"/>
-              <a:t>2025/5/25</a:t>
+              <a:t>2025/6/7</a:t>
             </a:fld>
             <a:endParaRPr lang="zh-CN" altLang="en-US"/>
           </a:p>
@@ -9268,7 +9268,7 @@
           <a:p>
             <a:fld id="{ABD2856F-0F01-4660-B392-47BC4ACF912C}" type="datetime1">
               <a:rPr lang="zh-CN" altLang="en-US" smtClean="0"/>
-              <a:t>2025/5/25</a:t>
+              <a:t>2025/6/7</a:t>
             </a:fld>
             <a:endParaRPr lang="zh-CN" altLang="en-US"/>
           </a:p>
@@ -9475,7 +9475,7 @@
           <a:p>
             <a:fld id="{0C0E5594-CA59-4536-B521-69433FE6FD77}" type="datetime1">
               <a:rPr lang="zh-CN" altLang="en-US" smtClean="0"/>
-              <a:t>2025/5/25</a:t>
+              <a:t>2025/6/7</a:t>
             </a:fld>
             <a:endParaRPr lang="zh-CN" altLang="en-US"/>
           </a:p>
@@ -9655,7 +9655,7 @@
           <a:p>
             <a:fld id="{CD9C1D2E-6E9D-4462-89EA-FC042277C744}" type="datetime1">
               <a:rPr lang="zh-CN" altLang="en-US" smtClean="0"/>
-              <a:t>2025/5/25</a:t>
+              <a:t>2025/6/7</a:t>
             </a:fld>
             <a:endParaRPr lang="zh-CN" altLang="en-US"/>
           </a:p>
@@ -9860,7 +9860,7 @@
           <a:p>
             <a:fld id="{A96DD341-8194-4DD3-9DDD-A2D00080D606}" type="datetime1">
               <a:rPr lang="zh-CN" altLang="en-US" smtClean="0"/>
-              <a:t>2025/5/25</a:t>
+              <a:t>2025/6/7</a:t>
             </a:fld>
             <a:endParaRPr lang="zh-CN" altLang="en-US"/>
           </a:p>
@@ -18758,7 +18758,7 @@
           <a:p>
             <a:fld id="{21D2ADAB-D273-4CDC-BD55-A03467049E26}" type="datetime1">
               <a:rPr lang="zh-CN" altLang="en-US" smtClean="0"/>
-              <a:t>2025/5/25</a:t>
+              <a:t>2025/6/7</a:t>
             </a:fld>
             <a:endParaRPr lang="zh-CN" altLang="en-US"/>
           </a:p>
@@ -19032,7 +19032,7 @@
           <a:p>
             <a:fld id="{8CFAB25B-CF7F-4A12-93D6-3F98C1C1568F}" type="datetime1">
               <a:rPr lang="zh-CN" altLang="en-US" smtClean="0"/>
-              <a:t>2025/5/25</a:t>
+              <a:t>2025/6/7</a:t>
             </a:fld>
             <a:endParaRPr lang="zh-CN" altLang="en-US"/>
           </a:p>
@@ -19430,7 +19430,7 @@
           <a:p>
             <a:fld id="{EF7B12FE-CA8C-4726-9D8E-B0BFF45A8C61}" type="datetime1">
               <a:rPr lang="zh-CN" altLang="en-US" smtClean="0"/>
-              <a:t>2025/5/25</a:t>
+              <a:t>2025/6/7</a:t>
             </a:fld>
             <a:endParaRPr lang="zh-CN" altLang="en-US"/>
           </a:p>
@@ -19548,7 +19548,7 @@
           <a:p>
             <a:fld id="{8135D9F5-BD61-46CF-926E-6F3D7FA51416}" type="datetime1">
               <a:rPr lang="zh-CN" altLang="en-US" smtClean="0"/>
-              <a:t>2025/5/25</a:t>
+              <a:t>2025/6/7</a:t>
             </a:fld>
             <a:endParaRPr lang="zh-CN" altLang="en-US"/>
           </a:p>
@@ -19643,7 +19643,7 @@
           <a:p>
             <a:fld id="{4EEF0B38-EEE1-4CEB-968F-7F3B7AADC4C6}" type="datetime1">
               <a:rPr lang="zh-CN" altLang="en-US" smtClean="0"/>
-              <a:t>2025/5/25</a:t>
+              <a:t>2025/6/7</a:t>
             </a:fld>
             <a:endParaRPr lang="zh-CN" altLang="en-US"/>
           </a:p>
@@ -19933,7 +19933,7 @@
           <a:p>
             <a:fld id="{70116360-7740-4388-A1AA-748E965DC1A4}" type="datetime1">
               <a:rPr lang="zh-CN" altLang="en-US" smtClean="0"/>
-              <a:t>2025/5/25</a:t>
+              <a:t>2025/6/7</a:t>
             </a:fld>
             <a:endParaRPr lang="zh-CN" altLang="en-US"/>
           </a:p>
@@ -20213,7 +20213,7 @@
           <a:p>
             <a:fld id="{5FE7EA1B-5603-4A6B-A21B-438342E4FBA5}" type="datetime1">
               <a:rPr lang="zh-CN" altLang="en-US" smtClean="0"/>
-              <a:t>2025/5/25</a:t>
+              <a:t>2025/6/7</a:t>
             </a:fld>
             <a:endParaRPr lang="zh-CN" altLang="en-US"/>
           </a:p>
@@ -20463,7 +20463,7 @@
           <a:p>
             <a:fld id="{01107307-C4B9-49FB-9C59-432446BD3E3D}" type="datetime1">
               <a:rPr lang="zh-CN" altLang="en-US" smtClean="0"/>
-              <a:t>2025/5/25</a:t>
+              <a:t>2025/6/7</a:t>
             </a:fld>
             <a:endParaRPr lang="zh-CN" altLang="en-US"/>
           </a:p>
@@ -21736,7 +21736,7 @@
               <a:rPr lang="en-US" altLang="zh-CN" sz="3200" b="1" i="1" baseline="30000" dirty="0">
                 <a:latin typeface="Times New Roman" charset="0"/>
               </a:rPr>
-              <a:t>τ</a:t>
+              <a:t>T</a:t>
             </a:r>
             <a:r>
               <a:rPr lang="en-US" altLang="zh-CN" sz="3200" b="1" i="1" dirty="0">
@@ -21749,34 +21749,20 @@
                 <a:latin typeface="Times New Roman" charset="0"/>
                 <a:cs typeface="Times New Roman" charset="0"/>
               </a:rPr>
-              <a:t>≥0;                             </a:t>
+              <a:t>≥0;                             X</a:t>
             </a:r>
             <a:r>
-              <a:rPr lang="en-US" altLang="zh-CN" sz="3200" b="1" i="1" dirty="0" err="1">
-                <a:latin typeface="Times New Roman" charset="0"/>
-                <a:cs typeface="Times New Roman" charset="0"/>
-              </a:rPr>
-              <a:t>X</a:t>
-            </a:r>
-            <a:r>
-              <a:rPr lang="en-US" altLang="zh-CN" sz="3200" b="1" i="1" baseline="30000" dirty="0" err="1">
+              <a:rPr lang="en-US" altLang="zh-CN" sz="3200" b="1" i="1" baseline="30000" dirty="0">
                 <a:latin typeface="Times New Roman" charset="0"/>
               </a:rPr>
-              <a:t>τ</a:t>
-            </a:r>
-            <a:r>
-              <a:rPr lang="en-US" altLang="zh-CN" sz="3200" b="1" i="1" dirty="0" err="1">
-                <a:latin typeface="Times New Roman" charset="0"/>
-                <a:cs typeface="Times New Roman" charset="0"/>
-              </a:rPr>
-              <a:t>AX</a:t>
+              <a:t>T</a:t>
             </a:r>
             <a:r>
               <a:rPr lang="en-US" altLang="zh-CN" sz="3200" b="1" i="1" dirty="0">
                 <a:latin typeface="Times New Roman" charset="0"/>
                 <a:cs typeface="Times New Roman" charset="0"/>
               </a:rPr>
-              <a:t>=0</a:t>
+              <a:t>AX=0</a:t>
             </a:r>
             <a:r>
               <a:rPr lang="en-US" altLang="zh-CN" sz="3200" b="1" i="1" dirty="0">
